--- a/C++project.pptx
+++ b/C++project.pptx
@@ -11,6 +11,10 @@
     <p:sldId id="260" r:id="rId5"/>
     <p:sldId id="261" r:id="rId6"/>
     <p:sldId id="262" r:id="rId7"/>
+    <p:sldId id="263" r:id="rId8"/>
+    <p:sldId id="264" r:id="rId9"/>
+    <p:sldId id="265" r:id="rId10"/>
+    <p:sldId id="266" r:id="rId11"/>
   </p:sldIdLst>
   <p:sldSz cx="12192000" cy="6858000"/>
   <p:notesSz cx="6858000" cy="9144000"/>
@@ -266,7 +270,7 @@
           <a:p>
             <a:fld id="{EF339FA7-1F03-8E46-B211-365FD88B6979}" type="datetimeFigureOut">
               <a:rPr kumimoji="1" lang="ko-Kore-KR" altLang="en-US" smtClean="0"/>
-              <a:t>2020. 10. 18.</a:t>
+              <a:t>10/21/2020</a:t>
             </a:fld>
             <a:endParaRPr kumimoji="1" lang="ko-Kore-KR" altLang="en-US"/>
           </a:p>
@@ -466,7 +470,7 @@
           <a:p>
             <a:fld id="{EF339FA7-1F03-8E46-B211-365FD88B6979}" type="datetimeFigureOut">
               <a:rPr kumimoji="1" lang="ko-Kore-KR" altLang="en-US" smtClean="0"/>
-              <a:t>2020. 10. 18.</a:t>
+              <a:t>10/21/2020</a:t>
             </a:fld>
             <a:endParaRPr kumimoji="1" lang="ko-Kore-KR" altLang="en-US"/>
           </a:p>
@@ -676,7 +680,7 @@
           <a:p>
             <a:fld id="{EF339FA7-1F03-8E46-B211-365FD88B6979}" type="datetimeFigureOut">
               <a:rPr kumimoji="1" lang="ko-Kore-KR" altLang="en-US" smtClean="0"/>
-              <a:t>2020. 10. 18.</a:t>
+              <a:t>10/21/2020</a:t>
             </a:fld>
             <a:endParaRPr kumimoji="1" lang="ko-Kore-KR" altLang="en-US"/>
           </a:p>
@@ -876,7 +880,7 @@
           <a:p>
             <a:fld id="{EF339FA7-1F03-8E46-B211-365FD88B6979}" type="datetimeFigureOut">
               <a:rPr kumimoji="1" lang="ko-Kore-KR" altLang="en-US" smtClean="0"/>
-              <a:t>2020. 10. 18.</a:t>
+              <a:t>10/21/2020</a:t>
             </a:fld>
             <a:endParaRPr kumimoji="1" lang="ko-Kore-KR" altLang="en-US"/>
           </a:p>
@@ -1152,7 +1156,7 @@
           <a:p>
             <a:fld id="{EF339FA7-1F03-8E46-B211-365FD88B6979}" type="datetimeFigureOut">
               <a:rPr kumimoji="1" lang="ko-Kore-KR" altLang="en-US" smtClean="0"/>
-              <a:t>2020. 10. 18.</a:t>
+              <a:t>10/21/2020</a:t>
             </a:fld>
             <a:endParaRPr kumimoji="1" lang="ko-Kore-KR" altLang="en-US"/>
           </a:p>
@@ -1420,7 +1424,7 @@
           <a:p>
             <a:fld id="{EF339FA7-1F03-8E46-B211-365FD88B6979}" type="datetimeFigureOut">
               <a:rPr kumimoji="1" lang="ko-Kore-KR" altLang="en-US" smtClean="0"/>
-              <a:t>2020. 10. 18.</a:t>
+              <a:t>10/21/2020</a:t>
             </a:fld>
             <a:endParaRPr kumimoji="1" lang="ko-Kore-KR" altLang="en-US"/>
           </a:p>
@@ -1835,7 +1839,7 @@
           <a:p>
             <a:fld id="{EF339FA7-1F03-8E46-B211-365FD88B6979}" type="datetimeFigureOut">
               <a:rPr kumimoji="1" lang="ko-Kore-KR" altLang="en-US" smtClean="0"/>
-              <a:t>2020. 10. 18.</a:t>
+              <a:t>10/21/2020</a:t>
             </a:fld>
             <a:endParaRPr kumimoji="1" lang="ko-Kore-KR" altLang="en-US"/>
           </a:p>
@@ -1977,7 +1981,7 @@
           <a:p>
             <a:fld id="{EF339FA7-1F03-8E46-B211-365FD88B6979}" type="datetimeFigureOut">
               <a:rPr kumimoji="1" lang="ko-Kore-KR" altLang="en-US" smtClean="0"/>
-              <a:t>2020. 10. 18.</a:t>
+              <a:t>10/21/2020</a:t>
             </a:fld>
             <a:endParaRPr kumimoji="1" lang="ko-Kore-KR" altLang="en-US"/>
           </a:p>
@@ -2090,7 +2094,7 @@
           <a:p>
             <a:fld id="{EF339FA7-1F03-8E46-B211-365FD88B6979}" type="datetimeFigureOut">
               <a:rPr kumimoji="1" lang="ko-Kore-KR" altLang="en-US" smtClean="0"/>
-              <a:t>2020. 10. 18.</a:t>
+              <a:t>10/21/2020</a:t>
             </a:fld>
             <a:endParaRPr kumimoji="1" lang="ko-Kore-KR" altLang="en-US"/>
           </a:p>
@@ -2403,7 +2407,7 @@
           <a:p>
             <a:fld id="{EF339FA7-1F03-8E46-B211-365FD88B6979}" type="datetimeFigureOut">
               <a:rPr kumimoji="1" lang="ko-Kore-KR" altLang="en-US" smtClean="0"/>
-              <a:t>2020. 10. 18.</a:t>
+              <a:t>10/21/2020</a:t>
             </a:fld>
             <a:endParaRPr kumimoji="1" lang="ko-Kore-KR" altLang="en-US"/>
           </a:p>
@@ -2692,7 +2696,7 @@
           <a:p>
             <a:fld id="{EF339FA7-1F03-8E46-B211-365FD88B6979}" type="datetimeFigureOut">
               <a:rPr kumimoji="1" lang="ko-Kore-KR" altLang="en-US" smtClean="0"/>
-              <a:t>2020. 10. 18.</a:t>
+              <a:t>10/21/2020</a:t>
             </a:fld>
             <a:endParaRPr kumimoji="1" lang="ko-Kore-KR" altLang="en-US"/>
           </a:p>
@@ -2935,7 +2939,7 @@
           <a:p>
             <a:fld id="{EF339FA7-1F03-8E46-B211-365FD88B6979}" type="datetimeFigureOut">
               <a:rPr kumimoji="1" lang="ko-Kore-KR" altLang="en-US" smtClean="0"/>
-              <a:t>2020. 10. 18.</a:t>
+              <a:t>10/21/2020</a:t>
             </a:fld>
             <a:endParaRPr kumimoji="1" lang="ko-Kore-KR" altLang="en-US"/>
           </a:p>
@@ -3423,6 +3427,102 @@
 </p:sld>
 </file>
 
+<file path=ppt/slides/slide10.xml><?xml version="1.0" encoding="utf-8"?>
+<p:sld xmlns:a="http://schemas.openxmlformats.org/drawingml/2006/main" xmlns:r="http://schemas.openxmlformats.org/officeDocument/2006/relationships" xmlns:p="http://schemas.openxmlformats.org/presentationml/2006/main">
+  <p:cSld>
+    <p:spTree>
+      <p:nvGrpSpPr>
+        <p:cNvPr id="1" name=""/>
+        <p:cNvGrpSpPr/>
+        <p:nvPr/>
+      </p:nvGrpSpPr>
+      <p:grpSpPr>
+        <a:xfrm>
+          <a:off x="0" y="0"/>
+          <a:ext cx="0" cy="0"/>
+          <a:chOff x="0" y="0"/>
+          <a:chExt cx="0" cy="0"/>
+        </a:xfrm>
+      </p:grpSpPr>
+      <p:sp>
+        <p:nvSpPr>
+          <p:cNvPr id="2" name="제목 1"/>
+          <p:cNvSpPr>
+            <a:spLocks noGrp="1"/>
+          </p:cNvSpPr>
+          <p:nvPr>
+            <p:ph type="title"/>
+          </p:nvPr>
+        </p:nvSpPr>
+        <p:spPr/>
+        <p:txBody>
+          <a:bodyPr/>
+          <a:lstStyle/>
+          <a:p>
+            <a:endParaRPr lang="ko-KR" altLang="en-US"/>
+          </a:p>
+        </p:txBody>
+      </p:sp>
+      <p:sp>
+        <p:nvSpPr>
+          <p:cNvPr id="3" name="내용 개체 틀 2"/>
+          <p:cNvSpPr>
+            <a:spLocks noGrp="1"/>
+          </p:cNvSpPr>
+          <p:nvPr>
+            <p:ph idx="1"/>
+          </p:nvPr>
+        </p:nvSpPr>
+        <p:spPr/>
+        <p:txBody>
+          <a:bodyPr/>
+          <a:lstStyle/>
+          <a:p>
+            <a:endParaRPr lang="ko-KR" altLang="en-US"/>
+          </a:p>
+        </p:txBody>
+      </p:sp>
+      <p:sp>
+        <p:nvSpPr>
+          <p:cNvPr id="4" name="직사각형 3"/>
+          <p:cNvSpPr/>
+          <p:nvPr/>
+        </p:nvSpPr>
+        <p:spPr>
+          <a:xfrm>
+            <a:off x="4914939" y="3244334"/>
+            <a:ext cx="2362122" cy="369332"/>
+          </a:xfrm>
+          <a:prstGeom prst="rect">
+            <a:avLst/>
+          </a:prstGeom>
+        </p:spPr>
+        <p:txBody>
+          <a:bodyPr wrap="none">
+            <a:spAutoFit/>
+          </a:bodyPr>
+          <a:lstStyle/>
+          <a:p>
+            <a:r>
+              <a:rPr lang="en-US" altLang="ko-KR" dirty="0"/>
+              <a:t>LOG_INFO(“message”);</a:t>
+            </a:r>
+          </a:p>
+        </p:txBody>
+      </p:sp>
+    </p:spTree>
+    <p:extLst>
+      <p:ext uri="{BB962C8B-B14F-4D97-AF65-F5344CB8AC3E}">
+        <p14:creationId xmlns:p14="http://schemas.microsoft.com/office/powerpoint/2010/main" val="687339408"/>
+      </p:ext>
+    </p:extLst>
+  </p:cSld>
+  <p:clrMapOvr>
+    <a:masterClrMapping/>
+  </p:clrMapOvr>
+</p:sld>
+</file>
+
 <file path=ppt/slides/slide2.xml><?xml version="1.0" encoding="utf-8"?>
 <p:sld xmlns:a="http://schemas.openxmlformats.org/drawingml/2006/main" xmlns:r="http://schemas.openxmlformats.org/officeDocument/2006/relationships" xmlns:p="http://schemas.openxmlformats.org/presentationml/2006/main">
   <p:cSld>
@@ -5398,7 +5498,9 @@
         </p:nvSpPr>
         <p:spPr/>
         <p:txBody>
-          <a:bodyPr/>
+          <a:bodyPr>
+            <a:normAutofit fontScale="85000" lnSpcReduction="20000"/>
+          </a:bodyPr>
           <a:lstStyle/>
           <a:p>
             <a:pPr marL="0" indent="0">
@@ -5439,7 +5541,7 @@
               <a:t> 있어야 한다</a:t>
             </a:r>
             <a:r>
-              <a:rPr kumimoji="1" lang="en-US" altLang="ko-KR" dirty="0"/>
+              <a:rPr kumimoji="1" lang="en-US" altLang="ko-KR" dirty="0" smtClean="0"/>
               <a:t>.</a:t>
             </a:r>
           </a:p>
@@ -5448,12 +5550,16 @@
               <a:buAutoNum type="arabicPeriod"/>
             </a:pPr>
             <a:r>
-              <a:rPr kumimoji="1" lang="ko-Kore-KR" altLang="en-US" dirty="0"/>
+              <a:rPr kumimoji="1" lang="ko-Kore-KR" altLang="en-US" dirty="0" smtClean="0"/>
               <a:t>로깅</a:t>
             </a:r>
             <a:r>
+              <a:rPr kumimoji="1" lang="ko-KR" altLang="en-US" smtClean="0"/>
+              <a:t> </a:t>
+            </a:r>
+            <a:r>
               <a:rPr kumimoji="1" lang="ko-KR" altLang="en-US" dirty="0"/>
-              <a:t> 정보가 다양한 목적지로 저장 </a:t>
+              <a:t>정보가 다양한 목적지로 저장 </a:t>
             </a:r>
             <a:r>
               <a:rPr kumimoji="1" lang="en-US" altLang="ko-KR" dirty="0"/>
@@ -5464,9 +5570,90 @@
               <a:t> 전송 될 수 있어야 한다</a:t>
             </a:r>
             <a:r>
-              <a:rPr kumimoji="1" lang="en-US" altLang="ko-KR" dirty="0"/>
+              <a:rPr kumimoji="1" lang="en-US" altLang="ko-KR" dirty="0" smtClean="0"/>
               <a:t>.</a:t>
             </a:r>
+            <a:br>
+              <a:rPr kumimoji="1" lang="en-US" altLang="ko-KR" dirty="0" smtClean="0"/>
+            </a:br>
+            <a:r>
+              <a:rPr kumimoji="1" lang="en-US" altLang="ko-KR" sz="1900" dirty="0" smtClean="0">
+                <a:sym typeface="Wingdings" panose="05000000000000000000" pitchFamily="2" charset="2"/>
+              </a:rPr>
+              <a:t> </a:t>
+            </a:r>
+            <a:r>
+              <a:rPr kumimoji="1" lang="ko-KR" altLang="en-US" sz="1900" dirty="0" smtClean="0">
+                <a:sym typeface="Wingdings" panose="05000000000000000000" pitchFamily="2" charset="2"/>
+              </a:rPr>
+              <a:t>어떤 인터페이스를 </a:t>
+            </a:r>
+            <a:r>
+              <a:rPr kumimoji="1" lang="ko-KR" altLang="en-US" sz="1900" dirty="0" err="1" smtClean="0">
+                <a:sym typeface="Wingdings" panose="05000000000000000000" pitchFamily="2" charset="2"/>
+              </a:rPr>
+              <a:t>선택하냐에</a:t>
+            </a:r>
+            <a:r>
+              <a:rPr kumimoji="1" lang="ko-KR" altLang="en-US" sz="1900" dirty="0" smtClean="0">
+                <a:sym typeface="Wingdings" panose="05000000000000000000" pitchFamily="2" charset="2"/>
+              </a:rPr>
+              <a:t> 따라서 달라지는 것은 아니고</a:t>
+            </a:r>
+            <a:r>
+              <a:rPr kumimoji="1" lang="en-US" altLang="ko-KR" sz="1900" dirty="0" smtClean="0">
+                <a:sym typeface="Wingdings" panose="05000000000000000000" pitchFamily="2" charset="2"/>
+              </a:rPr>
+              <a:t>, LOG(INFO)  info.log</a:t>
+            </a:r>
+            <a:r>
+              <a:rPr kumimoji="1" lang="ko-KR" altLang="en-US" sz="1900" dirty="0" smtClean="0">
+                <a:sym typeface="Wingdings" panose="05000000000000000000" pitchFamily="2" charset="2"/>
+              </a:rPr>
+              <a:t>에 저장될 수 있어야하고</a:t>
+            </a:r>
+            <a:r>
+              <a:rPr kumimoji="1" lang="en-US" altLang="ko-KR" sz="1900" dirty="0" smtClean="0">
+                <a:sym typeface="Wingdings" panose="05000000000000000000" pitchFamily="2" charset="2"/>
+              </a:rPr>
+              <a:t>, </a:t>
+            </a:r>
+            <a:r>
+              <a:rPr kumimoji="1" lang="ko-KR" altLang="en-US" sz="1900" dirty="0" smtClean="0">
+                <a:sym typeface="Wingdings" panose="05000000000000000000" pitchFamily="2" charset="2"/>
+              </a:rPr>
+              <a:t>각각이 각 파일에 저장될 수 있어야 함</a:t>
+            </a:r>
+            <a:r>
+              <a:rPr kumimoji="1" lang="en-US" altLang="ko-KR" sz="1900" dirty="0" smtClean="0">
+                <a:sym typeface="Wingdings" panose="05000000000000000000" pitchFamily="2" charset="2"/>
+              </a:rPr>
+              <a:t>.</a:t>
+            </a:r>
+          </a:p>
+          <a:p>
+            <a:pPr marL="0" indent="0">
+              <a:buNone/>
+            </a:pPr>
+            <a:r>
+              <a:rPr kumimoji="1" lang="en-US" altLang="ko-KR" sz="1900" dirty="0" smtClean="0">
+                <a:sym typeface="Wingdings" panose="05000000000000000000" pitchFamily="2" charset="2"/>
+              </a:rPr>
+              <a:t>	 </a:t>
+            </a:r>
+            <a:r>
+              <a:rPr kumimoji="1" lang="ko-KR" altLang="en-US" sz="1900" dirty="0" smtClean="0">
+                <a:sym typeface="Wingdings" panose="05000000000000000000" pitchFamily="2" charset="2"/>
+              </a:rPr>
+              <a:t>파일 디렉토리 경로도 변경 할 수 있어야 함</a:t>
+            </a:r>
+            <a:r>
+              <a:rPr kumimoji="1" lang="en-US" altLang="ko-KR" sz="1900" dirty="0" smtClean="0">
+                <a:sym typeface="Wingdings" panose="05000000000000000000" pitchFamily="2" charset="2"/>
+              </a:rPr>
+              <a:t>.</a:t>
+            </a:r>
+            <a:endParaRPr kumimoji="1" lang="en-US" altLang="ko-KR" dirty="0"/>
           </a:p>
           <a:p>
             <a:pPr marL="514350" indent="-514350">
@@ -5478,12 +5665,26 @@
             </a:r>
             <a:r>
               <a:rPr kumimoji="1" lang="ko-KR" altLang="en-US" dirty="0"/>
-              <a:t> 출력 레벨을 조정할 수 있어야 한다</a:t>
-            </a:r>
-            <a:r>
-              <a:rPr kumimoji="1" lang="en-US" altLang="ko-KR" dirty="0"/>
+              <a:t> 출력 레벨을 조정할 수 있어야 </a:t>
+            </a:r>
+            <a:r>
+              <a:rPr kumimoji="1" lang="ko-KR" altLang="en-US"/>
+              <a:t>한다</a:t>
+            </a:r>
+            <a:r>
+              <a:rPr kumimoji="1" lang="en-US" altLang="ko-KR" dirty="0" smtClean="0"/>
               <a:t>.</a:t>
             </a:r>
+            <a:br>
+              <a:rPr kumimoji="1" lang="en-US" altLang="ko-KR" dirty="0" smtClean="0"/>
+            </a:br>
+            <a:r>
+              <a:rPr kumimoji="1" lang="en-US" altLang="ko-KR" dirty="0" smtClean="0">
+                <a:sym typeface="Wingdings" panose="05000000000000000000" pitchFamily="2" charset="2"/>
+              </a:rPr>
+              <a:t> </a:t>
+            </a:r>
+            <a:endParaRPr kumimoji="1" lang="en-US" altLang="ko-KR" dirty="0"/>
           </a:p>
           <a:p>
             <a:pPr marL="514350" indent="-514350">
@@ -6099,6 +6300,1715 @@
     <p:extLst>
       <p:ext uri="{BB962C8B-B14F-4D97-AF65-F5344CB8AC3E}">
         <p14:creationId xmlns:p14="http://schemas.microsoft.com/office/powerpoint/2010/main" val="2398854612"/>
+      </p:ext>
+    </p:extLst>
+  </p:cSld>
+  <p:clrMapOvr>
+    <a:masterClrMapping/>
+  </p:clrMapOvr>
+</p:sld>
+</file>
+
+<file path=ppt/slides/slide7.xml><?xml version="1.0" encoding="utf-8"?>
+<p:sld xmlns:a="http://schemas.openxmlformats.org/drawingml/2006/main" xmlns:r="http://schemas.openxmlformats.org/officeDocument/2006/relationships" xmlns:p="http://schemas.openxmlformats.org/presentationml/2006/main">
+  <p:cSld>
+    <p:spTree>
+      <p:nvGrpSpPr>
+        <p:cNvPr id="1" name=""/>
+        <p:cNvGrpSpPr/>
+        <p:nvPr/>
+      </p:nvGrpSpPr>
+      <p:grpSpPr>
+        <a:xfrm>
+          <a:off x="0" y="0"/>
+          <a:ext cx="0" cy="0"/>
+          <a:chOff x="0" y="0"/>
+          <a:chExt cx="0" cy="0"/>
+        </a:xfrm>
+      </p:grpSpPr>
+      <p:sp>
+        <p:nvSpPr>
+          <p:cNvPr id="4" name="직사각형 3"/>
+          <p:cNvSpPr/>
+          <p:nvPr/>
+        </p:nvSpPr>
+        <p:spPr>
+          <a:xfrm>
+            <a:off x="1348740" y="3666744"/>
+            <a:ext cx="3049524" cy="1005840"/>
+          </a:xfrm>
+          <a:prstGeom prst="rect">
+            <a:avLst/>
+          </a:prstGeom>
+        </p:spPr>
+        <p:style>
+          <a:lnRef idx="2">
+            <a:schemeClr val="accent1">
+              <a:shade val="50000"/>
+            </a:schemeClr>
+          </a:lnRef>
+          <a:fillRef idx="1">
+            <a:schemeClr val="accent1"/>
+          </a:fillRef>
+          <a:effectRef idx="0">
+            <a:schemeClr val="accent1"/>
+          </a:effectRef>
+          <a:fontRef idx="minor">
+            <a:schemeClr val="lt1"/>
+          </a:fontRef>
+        </p:style>
+        <p:txBody>
+          <a:bodyPr rtlCol="0" anchor="ctr"/>
+          <a:lstStyle/>
+          <a:p>
+            <a:r>
+              <a:rPr lang="ko-KR" altLang="en-US" dirty="0" smtClean="0"/>
+              <a:t>함수</a:t>
+            </a:r>
+            <a:endParaRPr lang="en-US" altLang="ko-KR" dirty="0" smtClean="0"/>
+          </a:p>
+          <a:p>
+            <a:r>
+              <a:rPr lang="en-US" altLang="ko-KR" dirty="0" err="1" smtClean="0"/>
+              <a:t>logprint</a:t>
+            </a:r>
+            <a:endParaRPr lang="ko-KR" altLang="en-US" dirty="0"/>
+          </a:p>
+        </p:txBody>
+      </p:sp>
+      <p:sp>
+        <p:nvSpPr>
+          <p:cNvPr id="5" name="직사각형 4"/>
+          <p:cNvSpPr/>
+          <p:nvPr/>
+        </p:nvSpPr>
+        <p:spPr>
+          <a:xfrm>
+            <a:off x="1348740" y="594360"/>
+            <a:ext cx="3049524" cy="1005840"/>
+          </a:xfrm>
+          <a:prstGeom prst="rect">
+            <a:avLst/>
+          </a:prstGeom>
+        </p:spPr>
+        <p:style>
+          <a:lnRef idx="2">
+            <a:schemeClr val="accent1">
+              <a:shade val="50000"/>
+            </a:schemeClr>
+          </a:lnRef>
+          <a:fillRef idx="1">
+            <a:schemeClr val="accent1"/>
+          </a:fillRef>
+          <a:effectRef idx="0">
+            <a:schemeClr val="accent1"/>
+          </a:effectRef>
+          <a:fontRef idx="minor">
+            <a:schemeClr val="lt1"/>
+          </a:fontRef>
+        </p:style>
+        <p:txBody>
+          <a:bodyPr rtlCol="0" anchor="ctr"/>
+          <a:lstStyle/>
+          <a:p>
+            <a:r>
+              <a:rPr lang="ko-KR" altLang="en-US" dirty="0" smtClean="0"/>
+              <a:t>매크로</a:t>
+            </a:r>
+            <a:endParaRPr lang="en-US" altLang="ko-KR" dirty="0" smtClean="0"/>
+          </a:p>
+          <a:p>
+            <a:r>
+              <a:rPr lang="en-US" altLang="ko-KR" dirty="0" smtClean="0"/>
+              <a:t>LOG_INFO(“message”)</a:t>
+            </a:r>
+            <a:endParaRPr lang="ko-KR" altLang="en-US" dirty="0"/>
+          </a:p>
+        </p:txBody>
+      </p:sp>
+      <p:sp>
+        <p:nvSpPr>
+          <p:cNvPr id="6" name="직사각형 5"/>
+          <p:cNvSpPr/>
+          <p:nvPr/>
+        </p:nvSpPr>
+        <p:spPr>
+          <a:xfrm>
+            <a:off x="1348740" y="2057400"/>
+            <a:ext cx="3049524" cy="1005840"/>
+          </a:xfrm>
+          <a:prstGeom prst="rect">
+            <a:avLst/>
+          </a:prstGeom>
+        </p:spPr>
+        <p:style>
+          <a:lnRef idx="2">
+            <a:schemeClr val="accent1">
+              <a:shade val="50000"/>
+            </a:schemeClr>
+          </a:lnRef>
+          <a:fillRef idx="1">
+            <a:schemeClr val="accent1"/>
+          </a:fillRef>
+          <a:effectRef idx="0">
+            <a:schemeClr val="accent1"/>
+          </a:effectRef>
+          <a:fontRef idx="minor">
+            <a:schemeClr val="lt1"/>
+          </a:fontRef>
+        </p:style>
+        <p:txBody>
+          <a:bodyPr rtlCol="0" anchor="ctr"/>
+          <a:lstStyle/>
+          <a:p>
+            <a:r>
+              <a:rPr lang="en-US" altLang="ko-KR" dirty="0" smtClean="0"/>
+              <a:t>Interface </a:t>
+            </a:r>
+            <a:r>
+              <a:rPr lang="ko-KR" altLang="en-US" dirty="0" smtClean="0"/>
+              <a:t>초기화</a:t>
+            </a:r>
+            <a:endParaRPr lang="en-US" altLang="ko-KR" dirty="0" smtClean="0"/>
+          </a:p>
+          <a:p>
+            <a:r>
+              <a:rPr lang="en-US" altLang="ko-KR" dirty="0" err="1" smtClean="0"/>
+              <a:t>log_init</a:t>
+            </a:r>
+            <a:r>
+              <a:rPr lang="en-US" altLang="ko-KR" dirty="0" smtClean="0"/>
+              <a:t> m; </a:t>
+            </a:r>
+            <a:r>
+              <a:rPr lang="ko-KR" altLang="en-US" dirty="0" err="1" smtClean="0"/>
+              <a:t>생성자를</a:t>
+            </a:r>
+            <a:r>
+              <a:rPr lang="ko-KR" altLang="en-US" dirty="0" smtClean="0"/>
+              <a:t> 통해서</a:t>
+            </a:r>
+            <a:endParaRPr lang="ko-KR" altLang="en-US" dirty="0"/>
+          </a:p>
+        </p:txBody>
+      </p:sp>
+      <p:sp>
+        <p:nvSpPr>
+          <p:cNvPr id="7" name="직사각형 6"/>
+          <p:cNvSpPr/>
+          <p:nvPr/>
+        </p:nvSpPr>
+        <p:spPr>
+          <a:xfrm>
+            <a:off x="1348740" y="5074920"/>
+            <a:ext cx="3049524" cy="1005840"/>
+          </a:xfrm>
+          <a:prstGeom prst="rect">
+            <a:avLst/>
+          </a:prstGeom>
+        </p:spPr>
+        <p:style>
+          <a:lnRef idx="2">
+            <a:schemeClr val="accent1">
+              <a:shade val="50000"/>
+            </a:schemeClr>
+          </a:lnRef>
+          <a:fillRef idx="1">
+            <a:schemeClr val="accent1"/>
+          </a:fillRef>
+          <a:effectRef idx="0">
+            <a:schemeClr val="accent1"/>
+          </a:effectRef>
+          <a:fontRef idx="minor">
+            <a:schemeClr val="lt1"/>
+          </a:fontRef>
+        </p:style>
+        <p:txBody>
+          <a:bodyPr rtlCol="0" anchor="ctr"/>
+          <a:lstStyle/>
+          <a:p>
+            <a:r>
+              <a:rPr lang="en-US" altLang="ko-KR" sz="1100" dirty="0" smtClean="0"/>
+              <a:t>M</a:t>
+            </a:r>
+            <a:r>
+              <a:rPr lang="ko-KR" altLang="en-US" sz="1100" dirty="0" smtClean="0"/>
+              <a:t>의 </a:t>
+            </a:r>
+            <a:r>
+              <a:rPr lang="ko-KR" altLang="en-US" sz="1100" dirty="0" err="1" smtClean="0"/>
+              <a:t>멤버함수</a:t>
+            </a:r>
+            <a:r>
+              <a:rPr lang="ko-KR" altLang="en-US" sz="1100" dirty="0" smtClean="0"/>
+              <a:t> </a:t>
+            </a:r>
+            <a:r>
+              <a:rPr lang="en-US" altLang="ko-KR" sz="1100" dirty="0" err="1" smtClean="0"/>
+              <a:t>sum_print</a:t>
+            </a:r>
+            <a:endParaRPr lang="en-US" altLang="ko-KR" sz="1100" dirty="0"/>
+          </a:p>
+          <a:p>
+            <a:endParaRPr lang="en-US" altLang="ko-KR" sz="1100" dirty="0" smtClean="0"/>
+          </a:p>
+          <a:p>
+            <a:r>
+              <a:rPr lang="en-US" altLang="ko-KR" sz="1100" dirty="0" smtClean="0"/>
+              <a:t>File interface</a:t>
+            </a:r>
+            <a:r>
+              <a:rPr lang="ko-KR" altLang="en-US" sz="1100" dirty="0" smtClean="0"/>
+              <a:t>로</a:t>
+            </a:r>
+            <a:endParaRPr lang="en-US" altLang="ko-KR" sz="1100" dirty="0" smtClean="0"/>
+          </a:p>
+          <a:p>
+            <a:r>
+              <a:rPr lang="en-US" altLang="ko-KR" sz="1100" dirty="0" smtClean="0"/>
+              <a:t>String </a:t>
+            </a:r>
+            <a:r>
+              <a:rPr lang="ko-KR" altLang="en-US" sz="1100" dirty="0" smtClean="0"/>
+              <a:t>하나로 통합해서 보냄</a:t>
+            </a:r>
+            <a:endParaRPr lang="en-US" altLang="ko-KR" sz="1100" dirty="0" smtClean="0"/>
+          </a:p>
+          <a:p>
+            <a:r>
+              <a:rPr lang="ko-KR" altLang="en-US" sz="1100" dirty="0" smtClean="0"/>
+              <a:t>이유는 </a:t>
+            </a:r>
+            <a:r>
+              <a:rPr lang="en-US" altLang="ko-KR" sz="1100" dirty="0" smtClean="0"/>
+              <a:t>interface</a:t>
+            </a:r>
+            <a:r>
+              <a:rPr lang="ko-KR" altLang="en-US" sz="1100" dirty="0" smtClean="0"/>
+              <a:t>는 어떤 </a:t>
+            </a:r>
+            <a:r>
+              <a:rPr lang="en-US" altLang="ko-KR" sz="1100" dirty="0" smtClean="0"/>
+              <a:t>string</a:t>
+            </a:r>
+            <a:r>
+              <a:rPr lang="ko-KR" altLang="en-US" sz="1100" dirty="0" smtClean="0"/>
+              <a:t>이든 한번에 받기 위함</a:t>
+            </a:r>
+            <a:endParaRPr lang="en-US" altLang="ko-KR" sz="1100" dirty="0" smtClean="0"/>
+          </a:p>
+        </p:txBody>
+      </p:sp>
+      <p:sp>
+        <p:nvSpPr>
+          <p:cNvPr id="8" name="직사각형 7"/>
+          <p:cNvSpPr/>
+          <p:nvPr/>
+        </p:nvSpPr>
+        <p:spPr>
+          <a:xfrm>
+            <a:off x="7612380" y="594360"/>
+            <a:ext cx="3049524" cy="1005840"/>
+          </a:xfrm>
+          <a:prstGeom prst="rect">
+            <a:avLst/>
+          </a:prstGeom>
+        </p:spPr>
+        <p:style>
+          <a:lnRef idx="2">
+            <a:schemeClr val="accent1">
+              <a:shade val="50000"/>
+            </a:schemeClr>
+          </a:lnRef>
+          <a:fillRef idx="1">
+            <a:schemeClr val="accent1"/>
+          </a:fillRef>
+          <a:effectRef idx="0">
+            <a:schemeClr val="accent1"/>
+          </a:effectRef>
+          <a:fontRef idx="minor">
+            <a:schemeClr val="lt1"/>
+          </a:fontRef>
+        </p:style>
+        <p:txBody>
+          <a:bodyPr rtlCol="0" anchor="ctr"/>
+          <a:lstStyle/>
+          <a:p>
+            <a:r>
+              <a:rPr lang="en-US" altLang="ko-KR" sz="1100" dirty="0" smtClean="0"/>
+              <a:t>File interface </a:t>
+            </a:r>
+            <a:r>
+              <a:rPr lang="ko-KR" altLang="en-US" sz="1100" dirty="0" smtClean="0"/>
+              <a:t>객체 </a:t>
+            </a:r>
+            <a:r>
+              <a:rPr lang="en-US" altLang="ko-KR" sz="1100" dirty="0" err="1" smtClean="0"/>
+              <a:t>iff</a:t>
+            </a:r>
+            <a:r>
+              <a:rPr lang="ko-KR" altLang="en-US" sz="1100" dirty="0" smtClean="0"/>
+              <a:t>의 </a:t>
+            </a:r>
+            <a:r>
+              <a:rPr lang="en-US" altLang="ko-KR" sz="1100" dirty="0" err="1" smtClean="0"/>
+              <a:t>log_write</a:t>
+            </a:r>
+            <a:r>
+              <a:rPr lang="ko-KR" altLang="en-US" sz="1100" dirty="0" smtClean="0"/>
+              <a:t>를 통해서</a:t>
+            </a:r>
+            <a:endParaRPr lang="en-US" altLang="ko-KR" sz="1100" dirty="0" smtClean="0"/>
+          </a:p>
+          <a:p>
+            <a:r>
+              <a:rPr lang="ko-KR" altLang="en-US" sz="1100" dirty="0" smtClean="0"/>
+              <a:t>로그 작성</a:t>
+            </a:r>
+            <a:endParaRPr lang="en-US" altLang="ko-KR" sz="1100" dirty="0" smtClean="0"/>
+          </a:p>
+          <a:p>
+            <a:endParaRPr lang="en-US" altLang="ko-KR" sz="1100" dirty="0" smtClean="0"/>
+          </a:p>
+          <a:p>
+            <a:r>
+              <a:rPr lang="en-US" altLang="ko-KR" sz="1100" dirty="0" smtClean="0"/>
+              <a:t>- </a:t>
+            </a:r>
+            <a:r>
+              <a:rPr lang="en-US" altLang="ko-KR" sz="1100" dirty="0"/>
+              <a:t>Initial </a:t>
+            </a:r>
+            <a:r>
+              <a:rPr lang="ko-KR" altLang="en-US" sz="1100" dirty="0"/>
+              <a:t>과정에서 무시하기로한 로그는</a:t>
+            </a:r>
+            <a:endParaRPr lang="en-US" altLang="ko-KR" sz="1100" dirty="0"/>
+          </a:p>
+          <a:p>
+            <a:r>
+              <a:rPr lang="ko-KR" altLang="en-US" sz="1100" dirty="0"/>
+              <a:t>무시</a:t>
+            </a:r>
+            <a:endParaRPr lang="en-US" altLang="ko-KR" sz="1100" dirty="0"/>
+          </a:p>
+          <a:p>
+            <a:r>
+              <a:rPr lang="en-US" altLang="ko-KR" sz="1100" dirty="0" smtClean="0"/>
+              <a:t>- Size </a:t>
+            </a:r>
+            <a:r>
+              <a:rPr lang="ko-KR" altLang="en-US" sz="1100" dirty="0" smtClean="0"/>
+              <a:t>체크해서 새 파일 만들기</a:t>
+            </a:r>
+            <a:endParaRPr lang="en-US" altLang="ko-KR" sz="1100" dirty="0" smtClean="0"/>
+          </a:p>
+        </p:txBody>
+      </p:sp>
+    </p:spTree>
+    <p:extLst>
+      <p:ext uri="{BB962C8B-B14F-4D97-AF65-F5344CB8AC3E}">
+        <p14:creationId xmlns:p14="http://schemas.microsoft.com/office/powerpoint/2010/main" val="3499307587"/>
+      </p:ext>
+    </p:extLst>
+  </p:cSld>
+  <p:clrMapOvr>
+    <a:masterClrMapping/>
+  </p:clrMapOvr>
+</p:sld>
+</file>
+
+<file path=ppt/slides/slide8.xml><?xml version="1.0" encoding="utf-8"?>
+<p:sld xmlns:a="http://schemas.openxmlformats.org/drawingml/2006/main" xmlns:r="http://schemas.openxmlformats.org/officeDocument/2006/relationships" xmlns:p="http://schemas.openxmlformats.org/presentationml/2006/main">
+  <p:cSld>
+    <p:spTree>
+      <p:nvGrpSpPr>
+        <p:cNvPr id="1" name=""/>
+        <p:cNvGrpSpPr/>
+        <p:nvPr/>
+      </p:nvGrpSpPr>
+      <p:grpSpPr>
+        <a:xfrm>
+          <a:off x="0" y="0"/>
+          <a:ext cx="0" cy="0"/>
+          <a:chOff x="0" y="0"/>
+          <a:chExt cx="0" cy="0"/>
+        </a:xfrm>
+      </p:grpSpPr>
+      <p:sp>
+        <p:nvSpPr>
+          <p:cNvPr id="4" name="직사각형 3"/>
+          <p:cNvSpPr/>
+          <p:nvPr/>
+        </p:nvSpPr>
+        <p:spPr>
+          <a:xfrm>
+            <a:off x="392041" y="2334338"/>
+            <a:ext cx="1412748" cy="1161288"/>
+          </a:xfrm>
+          <a:prstGeom prst="rect">
+            <a:avLst/>
+          </a:prstGeom>
+        </p:spPr>
+        <p:style>
+          <a:lnRef idx="2">
+            <a:schemeClr val="accent1">
+              <a:shade val="50000"/>
+            </a:schemeClr>
+          </a:lnRef>
+          <a:fillRef idx="1">
+            <a:schemeClr val="accent1"/>
+          </a:fillRef>
+          <a:effectRef idx="0">
+            <a:schemeClr val="accent1"/>
+          </a:effectRef>
+          <a:fontRef idx="minor">
+            <a:schemeClr val="lt1"/>
+          </a:fontRef>
+        </p:style>
+        <p:txBody>
+          <a:bodyPr rtlCol="0" anchor="ctr"/>
+          <a:lstStyle/>
+          <a:p>
+            <a:pPr algn="ctr"/>
+            <a:r>
+              <a:rPr lang="ko-KR" altLang="en-US" dirty="0" smtClean="0"/>
+              <a:t>매크로</a:t>
+            </a:r>
+            <a:endParaRPr lang="en-US" altLang="ko-KR" dirty="0" smtClean="0"/>
+          </a:p>
+        </p:txBody>
+      </p:sp>
+      <p:sp>
+        <p:nvSpPr>
+          <p:cNvPr id="5" name="직사각형 4"/>
+          <p:cNvSpPr/>
+          <p:nvPr/>
+        </p:nvSpPr>
+        <p:spPr>
+          <a:xfrm>
+            <a:off x="3651302" y="2307883"/>
+            <a:ext cx="1805940" cy="1161288"/>
+          </a:xfrm>
+          <a:prstGeom prst="rect">
+            <a:avLst/>
+          </a:prstGeom>
+        </p:spPr>
+        <p:style>
+          <a:lnRef idx="2">
+            <a:schemeClr val="accent1">
+              <a:shade val="50000"/>
+            </a:schemeClr>
+          </a:lnRef>
+          <a:fillRef idx="1">
+            <a:schemeClr val="accent1"/>
+          </a:fillRef>
+          <a:effectRef idx="0">
+            <a:schemeClr val="accent1"/>
+          </a:effectRef>
+          <a:fontRef idx="minor">
+            <a:schemeClr val="lt1"/>
+          </a:fontRef>
+        </p:style>
+        <p:txBody>
+          <a:bodyPr rtlCol="0" anchor="ctr"/>
+          <a:lstStyle/>
+          <a:p>
+            <a:pPr algn="ctr"/>
+            <a:r>
+              <a:rPr lang="ko-KR" altLang="en-US" dirty="0" smtClean="0"/>
+              <a:t>로그 관련 객체</a:t>
+            </a:r>
+            <a:endParaRPr lang="en-US" altLang="ko-KR" dirty="0" smtClean="0"/>
+          </a:p>
+        </p:txBody>
+      </p:sp>
+      <p:sp>
+        <p:nvSpPr>
+          <p:cNvPr id="6" name="직사각형 5"/>
+          <p:cNvSpPr/>
+          <p:nvPr/>
+        </p:nvSpPr>
+        <p:spPr>
+          <a:xfrm>
+            <a:off x="6500233" y="2307883"/>
+            <a:ext cx="1805940" cy="1161288"/>
+          </a:xfrm>
+          <a:prstGeom prst="rect">
+            <a:avLst/>
+          </a:prstGeom>
+        </p:spPr>
+        <p:style>
+          <a:lnRef idx="2">
+            <a:schemeClr val="accent1">
+              <a:shade val="50000"/>
+            </a:schemeClr>
+          </a:lnRef>
+          <a:fillRef idx="1">
+            <a:schemeClr val="accent1"/>
+          </a:fillRef>
+          <a:effectRef idx="0">
+            <a:schemeClr val="accent1"/>
+          </a:effectRef>
+          <a:fontRef idx="minor">
+            <a:schemeClr val="lt1"/>
+          </a:fontRef>
+        </p:style>
+        <p:txBody>
+          <a:bodyPr rtlCol="0" anchor="ctr"/>
+          <a:lstStyle/>
+          <a:p>
+            <a:pPr algn="ctr"/>
+            <a:r>
+              <a:rPr lang="en-US" altLang="ko-KR" dirty="0" smtClean="0"/>
+              <a:t>File interface</a:t>
+            </a:r>
+            <a:endParaRPr lang="en-US" altLang="ko-KR" dirty="0"/>
+          </a:p>
+        </p:txBody>
+      </p:sp>
+      <p:sp>
+        <p:nvSpPr>
+          <p:cNvPr id="7" name="직사각형 6"/>
+          <p:cNvSpPr/>
+          <p:nvPr/>
+        </p:nvSpPr>
+        <p:spPr>
+          <a:xfrm>
+            <a:off x="9874369" y="1713522"/>
+            <a:ext cx="1805940" cy="517301"/>
+          </a:xfrm>
+          <a:prstGeom prst="rect">
+            <a:avLst/>
+          </a:prstGeom>
+        </p:spPr>
+        <p:style>
+          <a:lnRef idx="2">
+            <a:schemeClr val="accent1">
+              <a:shade val="50000"/>
+            </a:schemeClr>
+          </a:lnRef>
+          <a:fillRef idx="1">
+            <a:schemeClr val="accent1"/>
+          </a:fillRef>
+          <a:effectRef idx="0">
+            <a:schemeClr val="accent1"/>
+          </a:effectRef>
+          <a:fontRef idx="minor">
+            <a:schemeClr val="lt1"/>
+          </a:fontRef>
+        </p:style>
+        <p:txBody>
+          <a:bodyPr rtlCol="0" anchor="ctr"/>
+          <a:lstStyle/>
+          <a:p>
+            <a:pPr algn="ctr"/>
+            <a:r>
+              <a:rPr lang="en-US" altLang="ko-KR" dirty="0" smtClean="0">
+                <a:solidFill>
+                  <a:schemeClr val="tx1"/>
+                </a:solidFill>
+              </a:rPr>
+              <a:t>LOG</a:t>
+            </a:r>
+            <a:endParaRPr lang="en-US" altLang="ko-KR" dirty="0">
+              <a:solidFill>
+                <a:schemeClr val="tx1"/>
+              </a:solidFill>
+            </a:endParaRPr>
+          </a:p>
+        </p:txBody>
+      </p:sp>
+      <p:sp>
+        <p:nvSpPr>
+          <p:cNvPr id="8" name="직사각형 7"/>
+          <p:cNvSpPr/>
+          <p:nvPr/>
+        </p:nvSpPr>
+        <p:spPr>
+          <a:xfrm>
+            <a:off x="9874369" y="2426754"/>
+            <a:ext cx="1805940" cy="517301"/>
+          </a:xfrm>
+          <a:prstGeom prst="rect">
+            <a:avLst/>
+          </a:prstGeom>
+        </p:spPr>
+        <p:style>
+          <a:lnRef idx="2">
+            <a:schemeClr val="accent1">
+              <a:shade val="50000"/>
+            </a:schemeClr>
+          </a:lnRef>
+          <a:fillRef idx="1">
+            <a:schemeClr val="accent1"/>
+          </a:fillRef>
+          <a:effectRef idx="0">
+            <a:schemeClr val="accent1"/>
+          </a:effectRef>
+          <a:fontRef idx="minor">
+            <a:schemeClr val="lt1"/>
+          </a:fontRef>
+        </p:style>
+        <p:txBody>
+          <a:bodyPr rtlCol="0" anchor="ctr"/>
+          <a:lstStyle/>
+          <a:p>
+            <a:pPr algn="ctr"/>
+            <a:r>
+              <a:rPr lang="en-US" altLang="ko-KR" dirty="0" smtClean="0">
+                <a:solidFill>
+                  <a:schemeClr val="tx1"/>
+                </a:solidFill>
+              </a:rPr>
+              <a:t>WARNING</a:t>
+            </a:r>
+            <a:endParaRPr lang="en-US" altLang="ko-KR" dirty="0">
+              <a:solidFill>
+                <a:schemeClr val="tx1"/>
+              </a:solidFill>
+            </a:endParaRPr>
+          </a:p>
+        </p:txBody>
+      </p:sp>
+      <p:sp>
+        <p:nvSpPr>
+          <p:cNvPr id="9" name="직사각형 8"/>
+          <p:cNvSpPr/>
+          <p:nvPr/>
+        </p:nvSpPr>
+        <p:spPr>
+          <a:xfrm>
+            <a:off x="9874369" y="3135414"/>
+            <a:ext cx="1805940" cy="517301"/>
+          </a:xfrm>
+          <a:prstGeom prst="rect">
+            <a:avLst/>
+          </a:prstGeom>
+        </p:spPr>
+        <p:style>
+          <a:lnRef idx="2">
+            <a:schemeClr val="accent1">
+              <a:shade val="50000"/>
+            </a:schemeClr>
+          </a:lnRef>
+          <a:fillRef idx="1">
+            <a:schemeClr val="accent1"/>
+          </a:fillRef>
+          <a:effectRef idx="0">
+            <a:schemeClr val="accent1"/>
+          </a:effectRef>
+          <a:fontRef idx="minor">
+            <a:schemeClr val="lt1"/>
+          </a:fontRef>
+        </p:style>
+        <p:txBody>
+          <a:bodyPr rtlCol="0" anchor="ctr"/>
+          <a:lstStyle/>
+          <a:p>
+            <a:pPr algn="ctr"/>
+            <a:r>
+              <a:rPr lang="en-US" altLang="ko-KR" dirty="0" smtClean="0">
+                <a:solidFill>
+                  <a:schemeClr val="tx1"/>
+                </a:solidFill>
+              </a:rPr>
+              <a:t>ERROR</a:t>
+            </a:r>
+            <a:endParaRPr lang="en-US" altLang="ko-KR" dirty="0">
+              <a:solidFill>
+                <a:schemeClr val="tx1"/>
+              </a:solidFill>
+            </a:endParaRPr>
+          </a:p>
+        </p:txBody>
+      </p:sp>
+      <p:sp>
+        <p:nvSpPr>
+          <p:cNvPr id="10" name="직사각형 9"/>
+          <p:cNvSpPr/>
+          <p:nvPr/>
+        </p:nvSpPr>
+        <p:spPr>
+          <a:xfrm>
+            <a:off x="9874369" y="3844074"/>
+            <a:ext cx="1805940" cy="517301"/>
+          </a:xfrm>
+          <a:prstGeom prst="rect">
+            <a:avLst/>
+          </a:prstGeom>
+        </p:spPr>
+        <p:style>
+          <a:lnRef idx="2">
+            <a:schemeClr val="accent1">
+              <a:shade val="50000"/>
+            </a:schemeClr>
+          </a:lnRef>
+          <a:fillRef idx="1">
+            <a:schemeClr val="accent1"/>
+          </a:fillRef>
+          <a:effectRef idx="0">
+            <a:schemeClr val="accent1"/>
+          </a:effectRef>
+          <a:fontRef idx="minor">
+            <a:schemeClr val="lt1"/>
+          </a:fontRef>
+        </p:style>
+        <p:txBody>
+          <a:bodyPr rtlCol="0" anchor="ctr"/>
+          <a:lstStyle/>
+          <a:p>
+            <a:pPr algn="ctr"/>
+            <a:r>
+              <a:rPr lang="en-US" altLang="ko-KR" dirty="0" smtClean="0">
+                <a:solidFill>
+                  <a:schemeClr val="tx1"/>
+                </a:solidFill>
+              </a:rPr>
+              <a:t>FATAL</a:t>
+            </a:r>
+            <a:endParaRPr lang="en-US" altLang="ko-KR" dirty="0">
+              <a:solidFill>
+                <a:schemeClr val="tx1"/>
+              </a:solidFill>
+            </a:endParaRPr>
+          </a:p>
+        </p:txBody>
+      </p:sp>
+      <p:cxnSp>
+        <p:nvCxnSpPr>
+          <p:cNvPr id="12" name="직선 화살표 연결선 11"/>
+          <p:cNvCxnSpPr>
+            <a:stCxn id="6" idx="3"/>
+          </p:cNvCxnSpPr>
+          <p:nvPr/>
+        </p:nvCxnSpPr>
+        <p:spPr>
+          <a:xfrm flipV="1">
+            <a:off x="8306173" y="2019183"/>
+            <a:ext cx="1568196" cy="869344"/>
+          </a:xfrm>
+          <a:prstGeom prst="straightConnector1">
+            <a:avLst/>
+          </a:prstGeom>
+          <a:ln>
+            <a:tailEnd type="triangle"/>
+          </a:ln>
+        </p:spPr>
+        <p:style>
+          <a:lnRef idx="1">
+            <a:schemeClr val="accent1"/>
+          </a:lnRef>
+          <a:fillRef idx="0">
+            <a:schemeClr val="accent1"/>
+          </a:fillRef>
+          <a:effectRef idx="0">
+            <a:schemeClr val="accent1"/>
+          </a:effectRef>
+          <a:fontRef idx="minor">
+            <a:schemeClr val="tx1"/>
+          </a:fontRef>
+        </p:style>
+      </p:cxnSp>
+      <p:sp>
+        <p:nvSpPr>
+          <p:cNvPr id="13" name="TextBox 12"/>
+          <p:cNvSpPr txBox="1"/>
+          <p:nvPr/>
+        </p:nvSpPr>
+        <p:spPr>
+          <a:xfrm>
+            <a:off x="8586216" y="2745505"/>
+            <a:ext cx="1245854" cy="369332"/>
+          </a:xfrm>
+          <a:prstGeom prst="rect">
+            <a:avLst/>
+          </a:prstGeom>
+          <a:noFill/>
+        </p:spPr>
+        <p:txBody>
+          <a:bodyPr wrap="none" rtlCol="0">
+            <a:spAutoFit/>
+          </a:bodyPr>
+          <a:lstStyle/>
+          <a:p>
+            <a:r>
+              <a:rPr lang="en-US" altLang="ko-KR" dirty="0" smtClean="0"/>
+              <a:t>String </a:t>
+            </a:r>
+            <a:r>
+              <a:rPr lang="ko-KR" altLang="en-US" dirty="0" err="1" smtClean="0"/>
+              <a:t>한줄</a:t>
+            </a:r>
+            <a:endParaRPr lang="ko-KR" altLang="en-US" dirty="0"/>
+          </a:p>
+        </p:txBody>
+      </p:sp>
+      <p:cxnSp>
+        <p:nvCxnSpPr>
+          <p:cNvPr id="14" name="직선 화살표 연결선 13"/>
+          <p:cNvCxnSpPr>
+            <a:stCxn id="6" idx="3"/>
+          </p:cNvCxnSpPr>
+          <p:nvPr/>
+        </p:nvCxnSpPr>
+        <p:spPr>
+          <a:xfrm flipV="1">
+            <a:off x="8306173" y="2744177"/>
+            <a:ext cx="1568196" cy="144350"/>
+          </a:xfrm>
+          <a:prstGeom prst="straightConnector1">
+            <a:avLst/>
+          </a:prstGeom>
+          <a:ln>
+            <a:tailEnd type="triangle"/>
+          </a:ln>
+        </p:spPr>
+        <p:style>
+          <a:lnRef idx="1">
+            <a:schemeClr val="accent1"/>
+          </a:lnRef>
+          <a:fillRef idx="0">
+            <a:schemeClr val="accent1"/>
+          </a:fillRef>
+          <a:effectRef idx="0">
+            <a:schemeClr val="accent1"/>
+          </a:effectRef>
+          <a:fontRef idx="minor">
+            <a:schemeClr val="tx1"/>
+          </a:fontRef>
+        </p:style>
+      </p:cxnSp>
+      <p:cxnSp>
+        <p:nvCxnSpPr>
+          <p:cNvPr id="17" name="직선 화살표 연결선 16"/>
+          <p:cNvCxnSpPr>
+            <a:stCxn id="6" idx="3"/>
+            <a:endCxn id="9" idx="1"/>
+          </p:cNvCxnSpPr>
+          <p:nvPr/>
+        </p:nvCxnSpPr>
+        <p:spPr>
+          <a:xfrm>
+            <a:off x="8306173" y="2888527"/>
+            <a:ext cx="1568196" cy="505538"/>
+          </a:xfrm>
+          <a:prstGeom prst="straightConnector1">
+            <a:avLst/>
+          </a:prstGeom>
+          <a:ln>
+            <a:tailEnd type="triangle"/>
+          </a:ln>
+        </p:spPr>
+        <p:style>
+          <a:lnRef idx="1">
+            <a:schemeClr val="accent1"/>
+          </a:lnRef>
+          <a:fillRef idx="0">
+            <a:schemeClr val="accent1"/>
+          </a:fillRef>
+          <a:effectRef idx="0">
+            <a:schemeClr val="accent1"/>
+          </a:effectRef>
+          <a:fontRef idx="minor">
+            <a:schemeClr val="tx1"/>
+          </a:fontRef>
+        </p:style>
+      </p:cxnSp>
+      <p:cxnSp>
+        <p:nvCxnSpPr>
+          <p:cNvPr id="20" name="직선 화살표 연결선 19"/>
+          <p:cNvCxnSpPr>
+            <a:stCxn id="6" idx="3"/>
+            <a:endCxn id="10" idx="1"/>
+          </p:cNvCxnSpPr>
+          <p:nvPr/>
+        </p:nvCxnSpPr>
+        <p:spPr>
+          <a:xfrm>
+            <a:off x="8306173" y="2888527"/>
+            <a:ext cx="1568196" cy="1214198"/>
+          </a:xfrm>
+          <a:prstGeom prst="straightConnector1">
+            <a:avLst/>
+          </a:prstGeom>
+          <a:ln>
+            <a:tailEnd type="triangle"/>
+          </a:ln>
+        </p:spPr>
+        <p:style>
+          <a:lnRef idx="1">
+            <a:schemeClr val="accent1"/>
+          </a:lnRef>
+          <a:fillRef idx="0">
+            <a:schemeClr val="accent1"/>
+          </a:fillRef>
+          <a:effectRef idx="0">
+            <a:schemeClr val="accent1"/>
+          </a:effectRef>
+          <a:fontRef idx="minor">
+            <a:schemeClr val="tx1"/>
+          </a:fontRef>
+        </p:style>
+      </p:cxnSp>
+      <p:sp>
+        <p:nvSpPr>
+          <p:cNvPr id="23" name="TextBox 22"/>
+          <p:cNvSpPr txBox="1"/>
+          <p:nvPr/>
+        </p:nvSpPr>
+        <p:spPr>
+          <a:xfrm>
+            <a:off x="1959939" y="2046170"/>
+            <a:ext cx="1590500" cy="1477328"/>
+          </a:xfrm>
+          <a:prstGeom prst="rect">
+            <a:avLst/>
+          </a:prstGeom>
+          <a:noFill/>
+        </p:spPr>
+        <p:txBody>
+          <a:bodyPr wrap="none" rtlCol="0">
+            <a:spAutoFit/>
+          </a:bodyPr>
+          <a:lstStyle/>
+          <a:p>
+            <a:r>
+              <a:rPr lang="en-US" altLang="ko-KR" dirty="0" smtClean="0"/>
+              <a:t>String 4</a:t>
+            </a:r>
+            <a:r>
+              <a:rPr lang="ko-KR" altLang="en-US" dirty="0" smtClean="0"/>
+              <a:t>가지</a:t>
+            </a:r>
+            <a:endParaRPr lang="en-US" altLang="ko-KR" dirty="0" smtClean="0"/>
+          </a:p>
+          <a:p>
+            <a:r>
+              <a:rPr lang="en-US" altLang="ko-KR" dirty="0" smtClean="0"/>
+              <a:t>(Severity</a:t>
+            </a:r>
+          </a:p>
+          <a:p>
+            <a:r>
+              <a:rPr lang="en-US" altLang="ko-KR" dirty="0" smtClean="0"/>
+              <a:t>File name</a:t>
+            </a:r>
+          </a:p>
+          <a:p>
+            <a:r>
+              <a:rPr lang="en-US" altLang="ko-KR" dirty="0" smtClean="0"/>
+              <a:t>Function name</a:t>
+            </a:r>
+          </a:p>
+          <a:p>
+            <a:r>
+              <a:rPr lang="en-US" altLang="ko-KR" dirty="0" smtClean="0"/>
+              <a:t>Time)</a:t>
+            </a:r>
+            <a:endParaRPr lang="ko-KR" altLang="en-US" dirty="0"/>
+          </a:p>
+        </p:txBody>
+      </p:sp>
+      <p:cxnSp>
+        <p:nvCxnSpPr>
+          <p:cNvPr id="24" name="직선 화살표 연결선 23"/>
+          <p:cNvCxnSpPr>
+            <a:stCxn id="4" idx="3"/>
+            <a:endCxn id="5" idx="1"/>
+          </p:cNvCxnSpPr>
+          <p:nvPr/>
+        </p:nvCxnSpPr>
+        <p:spPr>
+          <a:xfrm flipV="1">
+            <a:off x="1804789" y="2888527"/>
+            <a:ext cx="1846513" cy="26455"/>
+          </a:xfrm>
+          <a:prstGeom prst="straightConnector1">
+            <a:avLst/>
+          </a:prstGeom>
+          <a:ln>
+            <a:tailEnd type="triangle"/>
+          </a:ln>
+        </p:spPr>
+        <p:style>
+          <a:lnRef idx="1">
+            <a:schemeClr val="accent1"/>
+          </a:lnRef>
+          <a:fillRef idx="0">
+            <a:schemeClr val="accent1"/>
+          </a:fillRef>
+          <a:effectRef idx="0">
+            <a:schemeClr val="accent1"/>
+          </a:effectRef>
+          <a:fontRef idx="minor">
+            <a:schemeClr val="tx1"/>
+          </a:fontRef>
+        </p:style>
+      </p:cxnSp>
+      <p:cxnSp>
+        <p:nvCxnSpPr>
+          <p:cNvPr id="30" name="직선 화살표 연결선 29"/>
+          <p:cNvCxnSpPr>
+            <a:endCxn id="6" idx="1"/>
+          </p:cNvCxnSpPr>
+          <p:nvPr/>
+        </p:nvCxnSpPr>
+        <p:spPr>
+          <a:xfrm>
+            <a:off x="5446419" y="2888527"/>
+            <a:ext cx="1053814" cy="0"/>
+          </a:xfrm>
+          <a:prstGeom prst="straightConnector1">
+            <a:avLst/>
+          </a:prstGeom>
+          <a:ln>
+            <a:tailEnd type="triangle"/>
+          </a:ln>
+        </p:spPr>
+        <p:style>
+          <a:lnRef idx="1">
+            <a:schemeClr val="accent1"/>
+          </a:lnRef>
+          <a:fillRef idx="0">
+            <a:schemeClr val="accent1"/>
+          </a:fillRef>
+          <a:effectRef idx="0">
+            <a:schemeClr val="accent1"/>
+          </a:effectRef>
+          <a:fontRef idx="minor">
+            <a:schemeClr val="tx1"/>
+          </a:fontRef>
+        </p:style>
+      </p:cxnSp>
+      <p:sp>
+        <p:nvSpPr>
+          <p:cNvPr id="32" name="TextBox 31"/>
+          <p:cNvSpPr txBox="1"/>
+          <p:nvPr/>
+        </p:nvSpPr>
+        <p:spPr>
+          <a:xfrm>
+            <a:off x="5404120" y="2545650"/>
+            <a:ext cx="1245854" cy="369332"/>
+          </a:xfrm>
+          <a:prstGeom prst="rect">
+            <a:avLst/>
+          </a:prstGeom>
+          <a:noFill/>
+        </p:spPr>
+        <p:txBody>
+          <a:bodyPr wrap="none" rtlCol="0">
+            <a:spAutoFit/>
+          </a:bodyPr>
+          <a:lstStyle/>
+          <a:p>
+            <a:r>
+              <a:rPr lang="en-US" altLang="ko-KR" dirty="0" smtClean="0"/>
+              <a:t>String </a:t>
+            </a:r>
+            <a:r>
+              <a:rPr lang="ko-KR" altLang="en-US" dirty="0" err="1" smtClean="0"/>
+              <a:t>한줄</a:t>
+            </a:r>
+            <a:endParaRPr lang="ko-KR" altLang="en-US" dirty="0"/>
+          </a:p>
+        </p:txBody>
+      </p:sp>
+      <p:sp>
+        <p:nvSpPr>
+          <p:cNvPr id="33" name="TextBox 32"/>
+          <p:cNvSpPr txBox="1"/>
+          <p:nvPr/>
+        </p:nvSpPr>
+        <p:spPr>
+          <a:xfrm>
+            <a:off x="7048779" y="2376173"/>
+            <a:ext cx="708848" cy="369332"/>
+          </a:xfrm>
+          <a:prstGeom prst="rect">
+            <a:avLst/>
+          </a:prstGeom>
+          <a:noFill/>
+        </p:spPr>
+        <p:txBody>
+          <a:bodyPr wrap="none" rtlCol="0">
+            <a:spAutoFit/>
+          </a:bodyPr>
+          <a:lstStyle/>
+          <a:p>
+            <a:r>
+              <a:rPr lang="en-US" altLang="ko-KR" dirty="0" err="1" smtClean="0">
+                <a:solidFill>
+                  <a:srgbClr val="FFFF00"/>
+                </a:solidFill>
+              </a:rPr>
+              <a:t>ifile.h</a:t>
+            </a:r>
+            <a:endParaRPr lang="ko-KR" altLang="en-US" dirty="0">
+              <a:solidFill>
+                <a:srgbClr val="FFFF00"/>
+              </a:solidFill>
+            </a:endParaRPr>
+          </a:p>
+        </p:txBody>
+      </p:sp>
+      <p:sp>
+        <p:nvSpPr>
+          <p:cNvPr id="34" name="TextBox 33"/>
+          <p:cNvSpPr txBox="1"/>
+          <p:nvPr/>
+        </p:nvSpPr>
+        <p:spPr>
+          <a:xfrm>
+            <a:off x="4157966" y="2356558"/>
+            <a:ext cx="837089" cy="369332"/>
+          </a:xfrm>
+          <a:prstGeom prst="rect">
+            <a:avLst/>
+          </a:prstGeom>
+          <a:noFill/>
+        </p:spPr>
+        <p:txBody>
+          <a:bodyPr wrap="none" rtlCol="0">
+            <a:spAutoFit/>
+          </a:bodyPr>
+          <a:lstStyle/>
+          <a:p>
+            <a:r>
+              <a:rPr lang="en-US" altLang="ko-KR" dirty="0" err="1" smtClean="0">
+                <a:solidFill>
+                  <a:srgbClr val="FFFF00"/>
+                </a:solidFill>
+              </a:rPr>
+              <a:t>loflib.h</a:t>
+            </a:r>
+            <a:endParaRPr lang="ko-KR" altLang="en-US" dirty="0">
+              <a:solidFill>
+                <a:srgbClr val="FFFF00"/>
+              </a:solidFill>
+            </a:endParaRPr>
+          </a:p>
+        </p:txBody>
+      </p:sp>
+      <p:sp>
+        <p:nvSpPr>
+          <p:cNvPr id="35" name="TextBox 34"/>
+          <p:cNvSpPr txBox="1"/>
+          <p:nvPr/>
+        </p:nvSpPr>
+        <p:spPr>
+          <a:xfrm>
+            <a:off x="6871626" y="3099839"/>
+            <a:ext cx="1212896" cy="369332"/>
+          </a:xfrm>
+          <a:prstGeom prst="rect">
+            <a:avLst/>
+          </a:prstGeom>
+          <a:noFill/>
+        </p:spPr>
+        <p:txBody>
+          <a:bodyPr wrap="none" rtlCol="0">
+            <a:spAutoFit/>
+          </a:bodyPr>
+          <a:lstStyle/>
+          <a:p>
+            <a:r>
+              <a:rPr lang="en-US" altLang="ko-KR" dirty="0" err="1" smtClean="0"/>
+              <a:t>log_write</a:t>
+            </a:r>
+            <a:r>
+              <a:rPr lang="en-US" altLang="ko-KR" dirty="0" smtClean="0"/>
+              <a:t>()</a:t>
+            </a:r>
+            <a:endParaRPr lang="ko-KR" altLang="en-US" dirty="0"/>
+          </a:p>
+        </p:txBody>
+      </p:sp>
+      <p:sp>
+        <p:nvSpPr>
+          <p:cNvPr id="36" name="TextBox 35"/>
+          <p:cNvSpPr txBox="1"/>
+          <p:nvPr/>
+        </p:nvSpPr>
+        <p:spPr>
+          <a:xfrm>
+            <a:off x="3197426" y="3588763"/>
+            <a:ext cx="2829621" cy="369332"/>
+          </a:xfrm>
+          <a:prstGeom prst="rect">
+            <a:avLst/>
+          </a:prstGeom>
+          <a:noFill/>
+        </p:spPr>
+        <p:txBody>
+          <a:bodyPr wrap="none" rtlCol="0">
+            <a:spAutoFit/>
+          </a:bodyPr>
+          <a:lstStyle/>
+          <a:p>
+            <a:r>
+              <a:rPr lang="ko-KR" altLang="en-US" dirty="0" smtClean="0"/>
+              <a:t>하나만 생성하므로 </a:t>
+            </a:r>
+            <a:r>
+              <a:rPr lang="ko-KR" altLang="en-US" dirty="0" err="1" smtClean="0"/>
+              <a:t>싱글톤</a:t>
+            </a:r>
+            <a:endParaRPr lang="ko-KR" altLang="en-US" dirty="0"/>
+          </a:p>
+        </p:txBody>
+      </p:sp>
+    </p:spTree>
+    <p:extLst>
+      <p:ext uri="{BB962C8B-B14F-4D97-AF65-F5344CB8AC3E}">
+        <p14:creationId xmlns:p14="http://schemas.microsoft.com/office/powerpoint/2010/main" val="2419890743"/>
+      </p:ext>
+    </p:extLst>
+  </p:cSld>
+  <p:clrMapOvr>
+    <a:masterClrMapping/>
+  </p:clrMapOvr>
+</p:sld>
+</file>
+
+<file path=ppt/slides/slide9.xml><?xml version="1.0" encoding="utf-8"?>
+<p:sld xmlns:a="http://schemas.openxmlformats.org/drawingml/2006/main" xmlns:r="http://schemas.openxmlformats.org/officeDocument/2006/relationships" xmlns:p="http://schemas.openxmlformats.org/presentationml/2006/main">
+  <p:cSld>
+    <p:spTree>
+      <p:nvGrpSpPr>
+        <p:cNvPr id="1" name=""/>
+        <p:cNvGrpSpPr/>
+        <p:nvPr/>
+      </p:nvGrpSpPr>
+      <p:grpSpPr>
+        <a:xfrm>
+          <a:off x="0" y="0"/>
+          <a:ext cx="0" cy="0"/>
+          <a:chOff x="0" y="0"/>
+          <a:chExt cx="0" cy="0"/>
+        </a:xfrm>
+      </p:grpSpPr>
+      <p:sp>
+        <p:nvSpPr>
+          <p:cNvPr id="4" name="TextBox 3"/>
+          <p:cNvSpPr txBox="1"/>
+          <p:nvPr/>
+        </p:nvSpPr>
+        <p:spPr>
+          <a:xfrm>
+            <a:off x="72196" y="347472"/>
+            <a:ext cx="2779351" cy="1200329"/>
+          </a:xfrm>
+          <a:prstGeom prst="rect">
+            <a:avLst/>
+          </a:prstGeom>
+          <a:noFill/>
+        </p:spPr>
+        <p:txBody>
+          <a:bodyPr wrap="none" rtlCol="0">
+            <a:spAutoFit/>
+          </a:bodyPr>
+          <a:lstStyle/>
+          <a:p>
+            <a:r>
+              <a:rPr lang="en-US" altLang="ko-KR" dirty="0" smtClean="0"/>
+              <a:t>&lt; Log library Configuration&gt;</a:t>
+            </a:r>
+          </a:p>
+          <a:p>
+            <a:pPr marL="342900" indent="-342900">
+              <a:buAutoNum type="arabicPeriod"/>
+            </a:pPr>
+            <a:r>
+              <a:rPr lang="ko-KR" altLang="en-US" dirty="0" smtClean="0"/>
+              <a:t>로그 사용 방법 확인</a:t>
+            </a:r>
+            <a:endParaRPr lang="en-US" altLang="ko-KR" dirty="0" smtClean="0"/>
+          </a:p>
+          <a:p>
+            <a:pPr marL="342900" indent="-342900">
+              <a:buAutoNum type="arabicPeriod"/>
+            </a:pPr>
+            <a:r>
+              <a:rPr lang="ko-KR" altLang="en-US" dirty="0" smtClean="0"/>
+              <a:t>라이브러리 세팅</a:t>
+            </a:r>
+            <a:endParaRPr lang="en-US" altLang="ko-KR" dirty="0" smtClean="0"/>
+          </a:p>
+          <a:p>
+            <a:pPr marL="342900" indent="-342900">
+              <a:buAutoNum type="arabicPeriod"/>
+            </a:pPr>
+            <a:endParaRPr lang="ko-KR" altLang="en-US" dirty="0"/>
+          </a:p>
+        </p:txBody>
+      </p:sp>
+      <p:sp>
+        <p:nvSpPr>
+          <p:cNvPr id="5" name="TextBox 4"/>
+          <p:cNvSpPr txBox="1"/>
+          <p:nvPr/>
+        </p:nvSpPr>
+        <p:spPr>
+          <a:xfrm>
+            <a:off x="3090778" y="2932795"/>
+            <a:ext cx="2779351" cy="1200329"/>
+          </a:xfrm>
+          <a:prstGeom prst="rect">
+            <a:avLst/>
+          </a:prstGeom>
+          <a:noFill/>
+        </p:spPr>
+        <p:txBody>
+          <a:bodyPr wrap="none" rtlCol="0">
+            <a:spAutoFit/>
+          </a:bodyPr>
+          <a:lstStyle/>
+          <a:p>
+            <a:r>
+              <a:rPr lang="en-US" altLang="ko-KR" dirty="0" smtClean="0"/>
+              <a:t>&lt; Log library Configuration&gt;</a:t>
+            </a:r>
+          </a:p>
+          <a:p>
+            <a:r>
+              <a:rPr lang="en-US" altLang="ko-KR" dirty="0" smtClean="0"/>
+              <a:t>[2. </a:t>
+            </a:r>
+            <a:r>
+              <a:rPr lang="ko-KR" altLang="en-US" dirty="0" smtClean="0"/>
+              <a:t>라이브러리 세팅</a:t>
+            </a:r>
+            <a:r>
+              <a:rPr lang="en-US" altLang="ko-KR" dirty="0" smtClean="0"/>
+              <a:t>]</a:t>
+            </a:r>
+          </a:p>
+          <a:p>
+            <a:pPr marL="342900" indent="-342900">
+              <a:buAutoNum type="arabicPeriod"/>
+            </a:pPr>
+            <a:r>
+              <a:rPr lang="ko-KR" altLang="en-US" dirty="0" smtClean="0"/>
+              <a:t>로깅 항목 설정</a:t>
+            </a:r>
+            <a:endParaRPr lang="en-US" altLang="ko-KR" dirty="0" smtClean="0"/>
+          </a:p>
+          <a:p>
+            <a:pPr marL="342900" indent="-342900">
+              <a:buAutoNum type="arabicPeriod"/>
+            </a:pPr>
+            <a:r>
+              <a:rPr lang="ko-KR" altLang="en-US" dirty="0" smtClean="0"/>
+              <a:t>출력 경로 설정</a:t>
+            </a:r>
+            <a:endParaRPr lang="ko-KR" altLang="en-US" dirty="0"/>
+          </a:p>
+        </p:txBody>
+      </p:sp>
+      <p:sp>
+        <p:nvSpPr>
+          <p:cNvPr id="6" name="TextBox 5"/>
+          <p:cNvSpPr txBox="1"/>
+          <p:nvPr/>
+        </p:nvSpPr>
+        <p:spPr>
+          <a:xfrm>
+            <a:off x="3016670" y="347472"/>
+            <a:ext cx="4661854" cy="2585323"/>
+          </a:xfrm>
+          <a:prstGeom prst="rect">
+            <a:avLst/>
+          </a:prstGeom>
+          <a:noFill/>
+        </p:spPr>
+        <p:txBody>
+          <a:bodyPr wrap="none" rtlCol="0">
+            <a:spAutoFit/>
+          </a:bodyPr>
+          <a:lstStyle/>
+          <a:p>
+            <a:r>
+              <a:rPr lang="en-US" altLang="ko-KR" dirty="0" smtClean="0"/>
+              <a:t>&lt; Log library Configuration&gt;</a:t>
+            </a:r>
+          </a:p>
+          <a:p>
+            <a:r>
+              <a:rPr lang="en-US" altLang="ko-KR" dirty="0" smtClean="0"/>
+              <a:t>[1. </a:t>
+            </a:r>
+            <a:r>
+              <a:rPr lang="ko-KR" altLang="en-US" dirty="0" err="1" smtClean="0"/>
+              <a:t>로그사용</a:t>
+            </a:r>
+            <a:r>
+              <a:rPr lang="ko-KR" altLang="en-US" dirty="0" smtClean="0"/>
+              <a:t> 방법 확인</a:t>
+            </a:r>
+            <a:r>
+              <a:rPr lang="en-US" altLang="ko-KR" dirty="0" smtClean="0"/>
+              <a:t>]</a:t>
+            </a:r>
+          </a:p>
+          <a:p>
+            <a:pPr marL="285750" indent="-285750">
+              <a:buFontTx/>
+              <a:buChar char="-"/>
+            </a:pPr>
+            <a:r>
+              <a:rPr lang="en-US" altLang="ko-KR" dirty="0" err="1" smtClean="0"/>
+              <a:t>loglib.h</a:t>
+            </a:r>
+            <a:r>
+              <a:rPr lang="en-US" altLang="ko-KR" dirty="0" smtClean="0"/>
+              <a:t> </a:t>
+            </a:r>
+            <a:r>
+              <a:rPr lang="en-US" altLang="ko-KR" dirty="0" err="1" smtClean="0"/>
+              <a:t>headerfile</a:t>
+            </a:r>
+            <a:r>
+              <a:rPr lang="en-US" altLang="ko-KR" dirty="0" smtClean="0"/>
+              <a:t> </a:t>
+            </a:r>
+            <a:r>
+              <a:rPr lang="ko-KR" altLang="en-US" dirty="0" smtClean="0"/>
+              <a:t>추가</a:t>
+            </a:r>
+            <a:endParaRPr lang="en-US" altLang="ko-KR" dirty="0" smtClean="0"/>
+          </a:p>
+          <a:p>
+            <a:pPr marL="285750" indent="-285750">
+              <a:buFontTx/>
+              <a:buChar char="-"/>
+            </a:pPr>
+            <a:r>
+              <a:rPr lang="ko-KR" altLang="en-US" dirty="0" smtClean="0"/>
+              <a:t>원하는 위치에 아래와 같은 방법으로 로깅</a:t>
+            </a:r>
+            <a:endParaRPr lang="en-US" altLang="ko-KR" dirty="0" smtClean="0"/>
+          </a:p>
+          <a:p>
+            <a:r>
+              <a:rPr lang="en-US" altLang="ko-KR" dirty="0" smtClean="0"/>
+              <a:t>	LOG_INFO(“message”);</a:t>
+            </a:r>
+          </a:p>
+          <a:p>
+            <a:r>
+              <a:rPr lang="en-US" altLang="ko-KR" dirty="0" smtClean="0"/>
+              <a:t>	LOG_WARNING(“</a:t>
+            </a:r>
+            <a:r>
+              <a:rPr lang="en-US" altLang="ko-KR" dirty="0"/>
+              <a:t>message”);</a:t>
+            </a:r>
+          </a:p>
+          <a:p>
+            <a:r>
+              <a:rPr lang="en-US" altLang="ko-KR" dirty="0" smtClean="0"/>
+              <a:t>	LOG_ERROR(“</a:t>
+            </a:r>
+            <a:r>
+              <a:rPr lang="en-US" altLang="ko-KR" dirty="0"/>
+              <a:t>message”);</a:t>
+            </a:r>
+          </a:p>
+          <a:p>
+            <a:r>
+              <a:rPr lang="en-US" altLang="ko-KR" dirty="0" smtClean="0"/>
+              <a:t>	LOG_FATAL(“</a:t>
+            </a:r>
+            <a:r>
+              <a:rPr lang="en-US" altLang="ko-KR" dirty="0"/>
+              <a:t>message”);</a:t>
+            </a:r>
+          </a:p>
+          <a:p>
+            <a:endParaRPr lang="en-US" altLang="ko-KR" dirty="0" smtClean="0"/>
+          </a:p>
+        </p:txBody>
+      </p:sp>
+      <p:sp>
+        <p:nvSpPr>
+          <p:cNvPr id="8" name="TextBox 7"/>
+          <p:cNvSpPr txBox="1"/>
+          <p:nvPr/>
+        </p:nvSpPr>
+        <p:spPr>
+          <a:xfrm>
+            <a:off x="8457775" y="2776436"/>
+            <a:ext cx="3272050" cy="2031325"/>
+          </a:xfrm>
+          <a:prstGeom prst="rect">
+            <a:avLst/>
+          </a:prstGeom>
+          <a:noFill/>
+        </p:spPr>
+        <p:txBody>
+          <a:bodyPr wrap="none" rtlCol="0">
+            <a:spAutoFit/>
+          </a:bodyPr>
+          <a:lstStyle/>
+          <a:p>
+            <a:r>
+              <a:rPr lang="en-US" altLang="ko-KR" dirty="0" smtClean="0"/>
+              <a:t>&lt; Log library Configuration&gt;</a:t>
+            </a:r>
+          </a:p>
+          <a:p>
+            <a:r>
+              <a:rPr lang="en-US" altLang="ko-KR" dirty="0" smtClean="0"/>
+              <a:t>[2.1 </a:t>
+            </a:r>
+            <a:r>
+              <a:rPr lang="ko-KR" altLang="en-US" dirty="0" smtClean="0"/>
+              <a:t>로깅 항목 설정</a:t>
+            </a:r>
+            <a:r>
+              <a:rPr lang="en-US" altLang="ko-KR" dirty="0" smtClean="0"/>
+              <a:t>]</a:t>
+            </a:r>
+          </a:p>
+          <a:p>
+            <a:r>
+              <a:rPr lang="en-US" altLang="ko-KR" dirty="0" smtClean="0"/>
+              <a:t>0. INFO</a:t>
+            </a:r>
+          </a:p>
+          <a:p>
+            <a:pPr marL="342900" indent="-342900">
+              <a:buAutoNum type="arabicPeriod"/>
+            </a:pPr>
+            <a:r>
+              <a:rPr lang="en-US" altLang="ko-KR" dirty="0" smtClean="0"/>
+              <a:t>WARNING</a:t>
+            </a:r>
+          </a:p>
+          <a:p>
+            <a:pPr marL="342900" indent="-342900">
+              <a:buAutoNum type="arabicPeriod"/>
+            </a:pPr>
+            <a:r>
+              <a:rPr lang="en-US" altLang="ko-KR" dirty="0" smtClean="0"/>
+              <a:t>ERROR</a:t>
+            </a:r>
+          </a:p>
+          <a:p>
+            <a:pPr marL="342900" indent="-342900">
+              <a:buAutoNum type="arabicPeriod"/>
+            </a:pPr>
+            <a:r>
+              <a:rPr lang="en-US" altLang="ko-KR" dirty="0" smtClean="0"/>
+              <a:t>FATAL</a:t>
+            </a:r>
+          </a:p>
+          <a:p>
+            <a:r>
+              <a:rPr lang="en-US" altLang="ko-KR" dirty="0" smtClean="0"/>
+              <a:t>=&gt; </a:t>
+            </a:r>
+            <a:r>
+              <a:rPr lang="ko-KR" altLang="en-US" dirty="0" smtClean="0"/>
+              <a:t>원하는 로깅 항목 번호 선택</a:t>
+            </a:r>
+            <a:endParaRPr lang="en-US" altLang="ko-KR" dirty="0" smtClean="0"/>
+          </a:p>
+        </p:txBody>
+      </p:sp>
+      <p:sp>
+        <p:nvSpPr>
+          <p:cNvPr id="9" name="TextBox 8"/>
+          <p:cNvSpPr txBox="1"/>
+          <p:nvPr/>
+        </p:nvSpPr>
+        <p:spPr>
+          <a:xfrm>
+            <a:off x="8393767" y="4899827"/>
+            <a:ext cx="3272050" cy="2031325"/>
+          </a:xfrm>
+          <a:prstGeom prst="rect">
+            <a:avLst/>
+          </a:prstGeom>
+          <a:noFill/>
+        </p:spPr>
+        <p:txBody>
+          <a:bodyPr wrap="none" rtlCol="0">
+            <a:spAutoFit/>
+          </a:bodyPr>
+          <a:lstStyle/>
+          <a:p>
+            <a:r>
+              <a:rPr lang="en-US" altLang="ko-KR" dirty="0" smtClean="0"/>
+              <a:t>&lt; Log library Configuration&gt;</a:t>
+            </a:r>
+          </a:p>
+          <a:p>
+            <a:r>
+              <a:rPr lang="en-US" altLang="ko-KR" dirty="0" smtClean="0"/>
+              <a:t>[2.2 </a:t>
+            </a:r>
+            <a:r>
+              <a:rPr lang="ko-KR" altLang="en-US" dirty="0" smtClean="0"/>
+              <a:t>출력 경로 설정</a:t>
+            </a:r>
+            <a:r>
+              <a:rPr lang="en-US" altLang="ko-KR" dirty="0" smtClean="0"/>
+              <a:t>]</a:t>
+            </a:r>
+          </a:p>
+          <a:p>
+            <a:r>
+              <a:rPr lang="en-US" altLang="ko-KR" dirty="0" smtClean="0"/>
+              <a:t>0. INFO</a:t>
+            </a:r>
+          </a:p>
+          <a:p>
+            <a:pPr marL="342900" indent="-342900">
+              <a:buAutoNum type="arabicPeriod"/>
+            </a:pPr>
+            <a:r>
+              <a:rPr lang="en-US" altLang="ko-KR" dirty="0" smtClean="0"/>
+              <a:t>WARNING</a:t>
+            </a:r>
+          </a:p>
+          <a:p>
+            <a:pPr marL="342900" indent="-342900">
+              <a:buAutoNum type="arabicPeriod"/>
+            </a:pPr>
+            <a:r>
+              <a:rPr lang="en-US" altLang="ko-KR" dirty="0" smtClean="0"/>
+              <a:t>ERROR</a:t>
+            </a:r>
+          </a:p>
+          <a:p>
+            <a:pPr marL="342900" indent="-342900">
+              <a:buAutoNum type="arabicPeriod"/>
+            </a:pPr>
+            <a:r>
+              <a:rPr lang="en-US" altLang="ko-KR" dirty="0" smtClean="0"/>
+              <a:t>FATAL</a:t>
+            </a:r>
+          </a:p>
+          <a:p>
+            <a:r>
+              <a:rPr lang="en-US" altLang="ko-KR" dirty="0" smtClean="0"/>
+              <a:t>=&gt; </a:t>
+            </a:r>
+            <a:r>
+              <a:rPr lang="ko-KR" altLang="en-US" dirty="0" smtClean="0"/>
+              <a:t>원하는 로깅 항목 번호 선택</a:t>
+            </a:r>
+            <a:endParaRPr lang="en-US" altLang="ko-KR" dirty="0" smtClean="0"/>
+          </a:p>
+        </p:txBody>
+      </p:sp>
+    </p:spTree>
+    <p:extLst>
+      <p:ext uri="{BB962C8B-B14F-4D97-AF65-F5344CB8AC3E}">
+        <p14:creationId xmlns:p14="http://schemas.microsoft.com/office/powerpoint/2010/main" val="181831775"/>
       </p:ext>
     </p:extLst>
   </p:cSld>
